--- a/관련 자료/resnet 종류 변경하여 비교해보기.pptx
+++ b/관련 자료/resnet 종류 변경하여 비교해보기.pptx
@@ -124,7 +124,7 @@
   <pc:docChgLst>
     <pc:chgData name="길 다영" userId="11d3a75bfe554e41" providerId="LiveId" clId="{EF712C6A-8E0D-40DA-ABFA-23B7E6C1CA1E}"/>
     <pc:docChg chg="undo custSel addSld delSld modSld sldOrd">
-      <pc:chgData name="길 다영" userId="11d3a75bfe554e41" providerId="LiveId" clId="{EF712C6A-8E0D-40DA-ABFA-23B7E6C1CA1E}" dt="2021-07-29T05:45:14.309" v="614" actId="478"/>
+      <pc:chgData name="길 다영" userId="11d3a75bfe554e41" providerId="LiveId" clId="{EF712C6A-8E0D-40DA-ABFA-23B7E6C1CA1E}" dt="2021-07-29T06:23:26.948" v="885" actId="403"/>
       <pc:docMkLst>
         <pc:docMk/>
       </pc:docMkLst>
@@ -280,13 +280,21 @@
         </pc:sldMkLst>
       </pc:sldChg>
       <pc:sldChg chg="addSp delSp modSp mod">
-        <pc:chgData name="길 다영" userId="11d3a75bfe554e41" providerId="LiveId" clId="{EF712C6A-8E0D-40DA-ABFA-23B7E6C1CA1E}" dt="2021-07-29T05:45:14.309" v="614" actId="478"/>
+        <pc:chgData name="길 다영" userId="11d3a75bfe554e41" providerId="LiveId" clId="{EF712C6A-8E0D-40DA-ABFA-23B7E6C1CA1E}" dt="2021-07-29T05:56:53.777" v="801" actId="1076"/>
         <pc:sldMkLst>
           <pc:docMk/>
           <pc:sldMk cId="3569063090" sldId="274"/>
         </pc:sldMkLst>
+        <pc:spChg chg="mod">
+          <ac:chgData name="길 다영" userId="11d3a75bfe554e41" providerId="LiveId" clId="{EF712C6A-8E0D-40DA-ABFA-23B7E6C1CA1E}" dt="2021-07-29T05:56:50.930" v="800" actId="1076"/>
+          <ac:spMkLst>
+            <pc:docMk/>
+            <pc:sldMk cId="3569063090" sldId="274"/>
+            <ac:spMk id="7" creationId="{BE0B354E-20D6-429A-B365-E46AB597AB35}"/>
+          </ac:spMkLst>
+        </pc:spChg>
         <pc:spChg chg="add del mod">
-          <ac:chgData name="길 다영" userId="11d3a75bfe554e41" providerId="LiveId" clId="{EF712C6A-8E0D-40DA-ABFA-23B7E6C1CA1E}" dt="2021-07-29T05:45:11.069" v="613" actId="20577"/>
+          <ac:chgData name="길 다영" userId="11d3a75bfe554e41" providerId="LiveId" clId="{EF712C6A-8E0D-40DA-ABFA-23B7E6C1CA1E}" dt="2021-07-29T05:56:53.777" v="801" actId="1076"/>
           <ac:spMkLst>
             <pc:docMk/>
             <pc:sldMk cId="3569063090" sldId="274"/>
@@ -294,7 +302,15 @@
           </ac:spMkLst>
         </pc:spChg>
         <pc:spChg chg="mod">
-          <ac:chgData name="길 다영" userId="11d3a75bfe554e41" providerId="LiveId" clId="{EF712C6A-8E0D-40DA-ABFA-23B7E6C1CA1E}" dt="2021-07-29T05:44:58.754" v="604" actId="1076"/>
+          <ac:chgData name="길 다영" userId="11d3a75bfe554e41" providerId="LiveId" clId="{EF712C6A-8E0D-40DA-ABFA-23B7E6C1CA1E}" dt="2021-07-29T05:56:50.930" v="800" actId="1076"/>
+          <ac:spMkLst>
+            <pc:docMk/>
+            <pc:sldMk cId="3569063090" sldId="274"/>
+            <ac:spMk id="9" creationId="{EF6E3D07-E621-4C04-AD6B-954A27BC94D9}"/>
+          </ac:spMkLst>
+        </pc:spChg>
+        <pc:spChg chg="mod">
+          <ac:chgData name="길 다영" userId="11d3a75bfe554e41" providerId="LiveId" clId="{EF712C6A-8E0D-40DA-ABFA-23B7E6C1CA1E}" dt="2021-07-29T05:56:39.701" v="793" actId="1036"/>
           <ac:spMkLst>
             <pc:docMk/>
             <pc:sldMk cId="3569063090" sldId="274"/>
@@ -347,7 +363,7 @@
         </pc:sldMkLst>
       </pc:sldChg>
       <pc:sldChg chg="addSp delSp modSp new mod">
-        <pc:chgData name="길 다영" userId="11d3a75bfe554e41" providerId="LiveId" clId="{EF712C6A-8E0D-40DA-ABFA-23B7E6C1CA1E}" dt="2021-07-29T05:41:54.163" v="379" actId="692"/>
+        <pc:chgData name="길 다영" userId="11d3a75bfe554e41" providerId="LiveId" clId="{EF712C6A-8E0D-40DA-ABFA-23B7E6C1CA1E}" dt="2021-07-29T06:23:26.948" v="885" actId="403"/>
         <pc:sldMkLst>
           <pc:docMk/>
           <pc:sldMk cId="2865258340" sldId="281"/>
@@ -617,7 +633,7 @@
           </ac:spMkLst>
         </pc:spChg>
         <pc:spChg chg="add mod">
-          <ac:chgData name="길 다영" userId="11d3a75bfe554e41" providerId="LiveId" clId="{EF712C6A-8E0D-40DA-ABFA-23B7E6C1CA1E}" dt="2021-07-29T05:41:13.635" v="374" actId="692"/>
+          <ac:chgData name="길 다영" userId="11d3a75bfe554e41" providerId="LiveId" clId="{EF712C6A-8E0D-40DA-ABFA-23B7E6C1CA1E}" dt="2021-07-29T06:22:29.299" v="846" actId="404"/>
           <ac:spMkLst>
             <pc:docMk/>
             <pc:sldMk cId="2865258340" sldId="281"/>
@@ -625,7 +641,7 @@
           </ac:spMkLst>
         </pc:spChg>
         <pc:spChg chg="add mod">
-          <ac:chgData name="길 다영" userId="11d3a75bfe554e41" providerId="LiveId" clId="{EF712C6A-8E0D-40DA-ABFA-23B7E6C1CA1E}" dt="2021-07-29T05:40:59.507" v="371" actId="692"/>
+          <ac:chgData name="길 다영" userId="11d3a75bfe554e41" providerId="LiveId" clId="{EF712C6A-8E0D-40DA-ABFA-23B7E6C1CA1E}" dt="2021-07-29T06:22:29.299" v="846" actId="404"/>
           <ac:spMkLst>
             <pc:docMk/>
             <pc:sldMk cId="2865258340" sldId="281"/>
@@ -633,7 +649,7 @@
           </ac:spMkLst>
         </pc:spChg>
         <pc:spChg chg="add mod">
-          <ac:chgData name="길 다영" userId="11d3a75bfe554e41" providerId="LiveId" clId="{EF712C6A-8E0D-40DA-ABFA-23B7E6C1CA1E}" dt="2021-07-29T05:41:27.999" v="375" actId="692"/>
+          <ac:chgData name="길 다영" userId="11d3a75bfe554e41" providerId="LiveId" clId="{EF712C6A-8E0D-40DA-ABFA-23B7E6C1CA1E}" dt="2021-07-29T06:23:26.948" v="885" actId="403"/>
           <ac:spMkLst>
             <pc:docMk/>
             <pc:sldMk cId="2865258340" sldId="281"/>
@@ -641,7 +657,7 @@
           </ac:spMkLst>
         </pc:spChg>
         <pc:spChg chg="add mod">
-          <ac:chgData name="길 다영" userId="11d3a75bfe554e41" providerId="LiveId" clId="{EF712C6A-8E0D-40DA-ABFA-23B7E6C1CA1E}" dt="2021-07-29T05:41:49.641" v="378" actId="692"/>
+          <ac:chgData name="길 다영" userId="11d3a75bfe554e41" providerId="LiveId" clId="{EF712C6A-8E0D-40DA-ABFA-23B7E6C1CA1E}" dt="2021-07-29T06:23:26.948" v="885" actId="403"/>
           <ac:spMkLst>
             <pc:docMk/>
             <pc:sldMk cId="2865258340" sldId="281"/>
@@ -649,7 +665,7 @@
           </ac:spMkLst>
         </pc:spChg>
         <pc:spChg chg="add mod">
-          <ac:chgData name="길 다영" userId="11d3a75bfe554e41" providerId="LiveId" clId="{EF712C6A-8E0D-40DA-ABFA-23B7E6C1CA1E}" dt="2021-07-29T05:41:42.708" v="377" actId="692"/>
+          <ac:chgData name="길 다영" userId="11d3a75bfe554e41" providerId="LiveId" clId="{EF712C6A-8E0D-40DA-ABFA-23B7E6C1CA1E}" dt="2021-07-29T06:23:26.948" v="885" actId="403"/>
           <ac:spMkLst>
             <pc:docMk/>
             <pc:sldMk cId="2865258340" sldId="281"/>
@@ -657,7 +673,7 @@
           </ac:spMkLst>
         </pc:spChg>
         <pc:spChg chg="add mod">
-          <ac:chgData name="길 다영" userId="11d3a75bfe554e41" providerId="LiveId" clId="{EF712C6A-8E0D-40DA-ABFA-23B7E6C1CA1E}" dt="2021-07-29T05:41:54.163" v="379" actId="692"/>
+          <ac:chgData name="길 다영" userId="11d3a75bfe554e41" providerId="LiveId" clId="{EF712C6A-8E0D-40DA-ABFA-23B7E6C1CA1E}" dt="2021-07-29T06:23:26.948" v="885" actId="403"/>
           <ac:spMkLst>
             <pc:docMk/>
             <pc:sldMk cId="2865258340" sldId="281"/>
@@ -5839,7 +5855,7 @@
           <a:p>
             <a:pPr algn="ctr"/>
             <a:r>
-              <a:rPr lang="en-US" altLang="ko-KR" dirty="0" err="1">
+              <a:rPr lang="en-US" altLang="ko-KR" sz="1600" dirty="0">
                 <a:solidFill>
                   <a:schemeClr val="tx1">
                     <a:lumMod val="75000"/>
@@ -5849,22 +5865,9 @@
                 <a:latin typeface="서울남산 장체 B" panose="02020503020101020101" pitchFamily="18" charset="-127"/>
                 <a:ea typeface="서울남산 장체 B" panose="02020503020101020101" pitchFamily="18" charset="-127"/>
               </a:rPr>
-              <a:t>ResNet</a:t>
-            </a:r>
-            <a:r>
-              <a:rPr lang="en-US" altLang="ko-KR" dirty="0">
-                <a:solidFill>
-                  <a:schemeClr val="tx1">
-                    <a:lumMod val="75000"/>
-                    <a:lumOff val="25000"/>
-                  </a:schemeClr>
-                </a:solidFill>
-                <a:latin typeface="서울남산 장체 B" panose="02020503020101020101" pitchFamily="18" charset="-127"/>
-                <a:ea typeface="서울남산 장체 B" panose="02020503020101020101" pitchFamily="18" charset="-127"/>
-              </a:rPr>
-              <a:t> 18</a:t>
-            </a:r>
-            <a:endParaRPr lang="ko-KR" altLang="en-US" dirty="0">
+              <a:t>ResNext50_32x4d</a:t>
+            </a:r>
+            <a:endParaRPr lang="ko-KR" altLang="en-US" sz="1600" dirty="0">
               <a:solidFill>
                 <a:schemeClr val="tx1">
                   <a:lumMod val="75000"/>
@@ -5928,7 +5931,7 @@
           <a:p>
             <a:pPr algn="ctr"/>
             <a:r>
-              <a:rPr lang="en-US" altLang="ko-KR" dirty="0" err="1">
+              <a:rPr lang="en-US" altLang="ko-KR" sz="1600" dirty="0">
                 <a:solidFill>
                   <a:schemeClr val="tx1">
                     <a:lumMod val="75000"/>
@@ -5938,22 +5941,9 @@
                 <a:latin typeface="서울남산 장체 B" panose="02020503020101020101" pitchFamily="18" charset="-127"/>
                 <a:ea typeface="서울남산 장체 B" panose="02020503020101020101" pitchFamily="18" charset="-127"/>
               </a:rPr>
-              <a:t>ResNet</a:t>
-            </a:r>
-            <a:r>
-              <a:rPr lang="en-US" altLang="ko-KR" dirty="0">
-                <a:solidFill>
-                  <a:schemeClr val="tx1">
-                    <a:lumMod val="75000"/>
-                    <a:lumOff val="25000"/>
-                  </a:schemeClr>
-                </a:solidFill>
-                <a:latin typeface="서울남산 장체 B" panose="02020503020101020101" pitchFamily="18" charset="-127"/>
-                <a:ea typeface="서울남산 장체 B" panose="02020503020101020101" pitchFamily="18" charset="-127"/>
-              </a:rPr>
-              <a:t> 18</a:t>
-            </a:r>
-            <a:endParaRPr lang="ko-KR" altLang="en-US" dirty="0">
+              <a:t>ResNext101_32x8d</a:t>
+            </a:r>
+            <a:endParaRPr lang="ko-KR" altLang="en-US" sz="1600" dirty="0">
               <a:solidFill>
                 <a:schemeClr val="tx1">
                   <a:lumMod val="75000"/>
@@ -6027,7 +6017,7 @@
                 <a:latin typeface="서울남산 장체 B" panose="02020503020101020101" pitchFamily="18" charset="-127"/>
                 <a:ea typeface="서울남산 장체 B" panose="02020503020101020101" pitchFamily="18" charset="-127"/>
               </a:rPr>
-              <a:t>ResNet</a:t>
+              <a:t>DenseNet</a:t>
             </a:r>
             <a:r>
               <a:rPr lang="en-US" altLang="ko-KR" dirty="0">
@@ -6040,7 +6030,7 @@
                 <a:latin typeface="서울남산 장체 B" panose="02020503020101020101" pitchFamily="18" charset="-127"/>
                 <a:ea typeface="서울남산 장체 B" panose="02020503020101020101" pitchFamily="18" charset="-127"/>
               </a:rPr>
-              <a:t> 18</a:t>
+              <a:t> 121</a:t>
             </a:r>
             <a:endParaRPr lang="ko-KR" altLang="en-US" dirty="0">
               <a:solidFill>
@@ -6117,7 +6107,7 @@
                 <a:latin typeface="서울남산 장체 B" panose="02020503020101020101" pitchFamily="18" charset="-127"/>
                 <a:ea typeface="서울남산 장체 B" panose="02020503020101020101" pitchFamily="18" charset="-127"/>
               </a:rPr>
-              <a:t>ResNet</a:t>
+              <a:t>DenseNet</a:t>
             </a:r>
             <a:r>
               <a:rPr lang="en-US" altLang="ko-KR" dirty="0">
@@ -6130,7 +6120,7 @@
                 <a:latin typeface="서울남산 장체 B" panose="02020503020101020101" pitchFamily="18" charset="-127"/>
                 <a:ea typeface="서울남산 장체 B" panose="02020503020101020101" pitchFamily="18" charset="-127"/>
               </a:rPr>
-              <a:t> 18</a:t>
+              <a:t> 169</a:t>
             </a:r>
             <a:endParaRPr lang="ko-KR" altLang="en-US" dirty="0">
               <a:solidFill>
@@ -6207,7 +6197,7 @@
                 <a:latin typeface="서울남산 장체 B" panose="02020503020101020101" pitchFamily="18" charset="-127"/>
                 <a:ea typeface="서울남산 장체 B" panose="02020503020101020101" pitchFamily="18" charset="-127"/>
               </a:rPr>
-              <a:t>ResNet</a:t>
+              <a:t>DenseNet</a:t>
             </a:r>
             <a:r>
               <a:rPr lang="en-US" altLang="ko-KR" dirty="0">
@@ -6220,7 +6210,7 @@
                 <a:latin typeface="서울남산 장체 B" panose="02020503020101020101" pitchFamily="18" charset="-127"/>
                 <a:ea typeface="서울남산 장체 B" panose="02020503020101020101" pitchFamily="18" charset="-127"/>
               </a:rPr>
-              <a:t> 18</a:t>
+              <a:t> 161</a:t>
             </a:r>
             <a:endParaRPr lang="ko-KR" altLang="en-US" dirty="0">
               <a:solidFill>
@@ -6297,7 +6287,7 @@
                 <a:latin typeface="서울남산 장체 B" panose="02020503020101020101" pitchFamily="18" charset="-127"/>
                 <a:ea typeface="서울남산 장체 B" panose="02020503020101020101" pitchFamily="18" charset="-127"/>
               </a:rPr>
-              <a:t>ResNet</a:t>
+              <a:t>DenseNet</a:t>
             </a:r>
             <a:r>
               <a:rPr lang="en-US" altLang="ko-KR" dirty="0">
@@ -6310,7 +6300,7 @@
                 <a:latin typeface="서울남산 장체 B" panose="02020503020101020101" pitchFamily="18" charset="-127"/>
                 <a:ea typeface="서울남산 장체 B" panose="02020503020101020101" pitchFamily="18" charset="-127"/>
               </a:rPr>
-              <a:t> 18</a:t>
+              <a:t> 201</a:t>
             </a:r>
             <a:endParaRPr lang="ko-KR" altLang="en-US" dirty="0">
               <a:solidFill>
@@ -7418,7 +7408,7 @@
         </p:nvSpPr>
         <p:spPr>
           <a:xfrm>
-            <a:off x="986428" y="3356100"/>
+            <a:off x="986428" y="3675905"/>
             <a:ext cx="1461506" cy="461665"/>
           </a:xfrm>
           <a:prstGeom prst="rect">
@@ -7459,8 +7449,8 @@
         </p:nvSpPr>
         <p:spPr>
           <a:xfrm>
-            <a:off x="817661" y="4010649"/>
-            <a:ext cx="10084118" cy="2135200"/>
+            <a:off x="817661" y="4362472"/>
+            <a:ext cx="10084118" cy="1719702"/>
           </a:xfrm>
           <a:prstGeom prst="rect">
             <a:avLst/>
@@ -7677,22 +7667,6 @@
               </a:rPr>
               <a:t>.</a:t>
             </a:r>
-          </a:p>
-          <a:p>
-            <a:pPr marL="342900" indent="-342900">
-              <a:lnSpc>
-                <a:spcPct val="150000"/>
-              </a:lnSpc>
-              <a:buFont typeface="Wingdings" panose="05000000000000000000" pitchFamily="2" charset="2"/>
-              <a:buChar char="§"/>
-            </a:pPr>
-            <a:endParaRPr lang="en-US" altLang="ko-KR" dirty="0">
-              <a:solidFill>
-                <a:srgbClr val="4E4E4E"/>
-              </a:solidFill>
-              <a:latin typeface="서울남산 장체 L" panose="02020503020101020101" pitchFamily="18" charset="-127"/>
-              <a:ea typeface="서울남산 장체 L" panose="02020503020101020101" pitchFamily="18" charset="-127"/>
-            </a:endParaRPr>
           </a:p>
         </p:txBody>
       </p:sp>
@@ -7710,7 +7684,7 @@
         </p:nvSpPr>
         <p:spPr>
           <a:xfrm>
-            <a:off x="522251" y="3393195"/>
+            <a:off x="522251" y="3713000"/>
             <a:ext cx="360000" cy="360000"/>
           </a:xfrm>
           <a:prstGeom prst="ellipse">
@@ -7803,8 +7777,8 @@
         </p:nvSpPr>
         <p:spPr>
           <a:xfrm>
-            <a:off x="817661" y="1630361"/>
-            <a:ext cx="10084118" cy="1304203"/>
+            <a:off x="817661" y="1635677"/>
+            <a:ext cx="10661166" cy="1719702"/>
           </a:xfrm>
           <a:prstGeom prst="rect">
             <a:avLst/>
@@ -7963,6 +7937,26 @@
               <a:buChar char="§"/>
             </a:pPr>
             <a:r>
+              <a:rPr lang="en-US" altLang="ko-KR" dirty="0" err="1">
+                <a:solidFill>
+                  <a:srgbClr val="4E4E4E"/>
+                </a:solidFill>
+                <a:latin typeface="서울남산 장체 L" panose="02020503020101020101" pitchFamily="18" charset="-127"/>
+                <a:ea typeface="서울남산 장체 L" panose="02020503020101020101" pitchFamily="18" charset="-127"/>
+              </a:rPr>
+              <a:t>resnet</a:t>
+            </a:r>
+            <a:r>
+              <a:rPr lang="en-US" altLang="ko-KR" dirty="0">
+                <a:solidFill>
+                  <a:srgbClr val="4E4E4E"/>
+                </a:solidFill>
+                <a:latin typeface="서울남산 장체 L" panose="02020503020101020101" pitchFamily="18" charset="-127"/>
+                <a:ea typeface="서울남산 장체 L" panose="02020503020101020101" pitchFamily="18" charset="-127"/>
+              </a:rPr>
+              <a:t> 50</a:t>
+            </a:r>
+            <a:r>
               <a:rPr lang="ko-KR" altLang="en-US" dirty="0">
                 <a:solidFill>
                   <a:srgbClr val="4E4E4E"/>
@@ -7970,7 +7964,7 @@
                 <a:latin typeface="서울남산 장체 L" panose="02020503020101020101" pitchFamily="18" charset="-127"/>
                 <a:ea typeface="서울남산 장체 L" panose="02020503020101020101" pitchFamily="18" charset="-127"/>
               </a:rPr>
-              <a:t>총 </a:t>
+              <a:t>과 </a:t>
             </a:r>
             <a:r>
               <a:rPr lang="en-US" altLang="ko-KR" dirty="0">
@@ -7980,7 +7974,7 @@
                 <a:latin typeface="서울남산 장체 L" panose="02020503020101020101" pitchFamily="18" charset="-127"/>
                 <a:ea typeface="서울남산 장체 L" panose="02020503020101020101" pitchFamily="18" charset="-127"/>
               </a:rPr>
-              <a:t>65</a:t>
+              <a:t>resnet34</a:t>
             </a:r>
             <a:r>
               <a:rPr lang="ko-KR" altLang="en-US" dirty="0">
@@ -7990,7 +7984,87 @@
                 <a:latin typeface="서울남산 장체 L" panose="02020503020101020101" pitchFamily="18" charset="-127"/>
                 <a:ea typeface="서울남산 장체 L" panose="02020503020101020101" pitchFamily="18" charset="-127"/>
               </a:rPr>
-              <a:t>개의 이미지를 학습 시킴</a:t>
+              <a:t>의 경우</a:t>
+            </a:r>
+            <a:r>
+              <a:rPr lang="en-US" altLang="ko-KR" dirty="0">
+                <a:solidFill>
+                  <a:srgbClr val="4E4E4E"/>
+                </a:solidFill>
+                <a:latin typeface="서울남산 장체 L" panose="02020503020101020101" pitchFamily="18" charset="-127"/>
+                <a:ea typeface="서울남산 장체 L" panose="02020503020101020101" pitchFamily="18" charset="-127"/>
+              </a:rPr>
+              <a:t>, </a:t>
+            </a:r>
+            <a:r>
+              <a:rPr lang="ko-KR" altLang="en-US" dirty="0">
+                <a:solidFill>
+                  <a:srgbClr val="4E4E4E"/>
+                </a:solidFill>
+                <a:latin typeface="서울남산 장체 L" panose="02020503020101020101" pitchFamily="18" charset="-127"/>
+                <a:ea typeface="서울남산 장체 L" panose="02020503020101020101" pitchFamily="18" charset="-127"/>
+              </a:rPr>
+              <a:t>총 </a:t>
+            </a:r>
+            <a:r>
+              <a:rPr lang="en-US" altLang="ko-KR" dirty="0">
+                <a:solidFill>
+                  <a:srgbClr val="4E4E4E"/>
+                </a:solidFill>
+                <a:latin typeface="서울남산 장체 L" panose="02020503020101020101" pitchFamily="18" charset="-127"/>
+                <a:ea typeface="서울남산 장체 L" panose="02020503020101020101" pitchFamily="18" charset="-127"/>
+              </a:rPr>
+              <a:t>65</a:t>
+            </a:r>
+            <a:r>
+              <a:rPr lang="ko-KR" altLang="en-US" dirty="0">
+                <a:solidFill>
+                  <a:srgbClr val="4E4E4E"/>
+                </a:solidFill>
+                <a:latin typeface="서울남산 장체 L" panose="02020503020101020101" pitchFamily="18" charset="-127"/>
+                <a:ea typeface="서울남산 장체 L" panose="02020503020101020101" pitchFamily="18" charset="-127"/>
+              </a:rPr>
+              <a:t>개의 이미지를 학습시킴</a:t>
+            </a:r>
+            <a:r>
+              <a:rPr lang="en-US" altLang="ko-KR" dirty="0">
+                <a:solidFill>
+                  <a:srgbClr val="4E4E4E"/>
+                </a:solidFill>
+                <a:latin typeface="서울남산 장체 L" panose="02020503020101020101" pitchFamily="18" charset="-127"/>
+                <a:ea typeface="서울남산 장체 L" panose="02020503020101020101" pitchFamily="18" charset="-127"/>
+              </a:rPr>
+              <a:t>. </a:t>
+            </a:r>
+            <a:r>
+              <a:rPr lang="ko-KR" altLang="en-US" dirty="0">
+                <a:solidFill>
+                  <a:srgbClr val="4E4E4E"/>
+                </a:solidFill>
+                <a:latin typeface="서울남산 장체 L" panose="02020503020101020101" pitchFamily="18" charset="-127"/>
+                <a:ea typeface="서울남산 장체 L" panose="02020503020101020101" pitchFamily="18" charset="-127"/>
+              </a:rPr>
+              <a:t>그러나 시간이 너무 오래 걸려 그 외 나머지는 총 </a:t>
+            </a:r>
+            <a:r>
+              <a:rPr lang="en-US" altLang="ko-KR" dirty="0">
+                <a:solidFill>
+                  <a:srgbClr val="4E4E4E"/>
+                </a:solidFill>
+                <a:latin typeface="서울남산 장체 L" panose="02020503020101020101" pitchFamily="18" charset="-127"/>
+                <a:ea typeface="서울남산 장체 L" panose="02020503020101020101" pitchFamily="18" charset="-127"/>
+              </a:rPr>
+              <a:t>20</a:t>
+            </a:r>
+            <a:r>
+              <a:rPr lang="ko-KR" altLang="en-US" dirty="0">
+                <a:solidFill>
+                  <a:srgbClr val="4E4E4E"/>
+                </a:solidFill>
+                <a:latin typeface="서울남산 장체 L" panose="02020503020101020101" pitchFamily="18" charset="-127"/>
+                <a:ea typeface="서울남산 장체 L" panose="02020503020101020101" pitchFamily="18" charset="-127"/>
+              </a:rPr>
+              <a:t>개의 이미지만 학습시킴</a:t>
             </a:r>
             <a:r>
               <a:rPr lang="en-US" altLang="ko-KR" dirty="0">
